--- a/reports/poster.pptx
+++ b/reports/poster.pptx
@@ -109,7 +109,7 @@
   </p:defaultTextStyle>
   <p:extLst>
     <p:ext uri="{EFAFB233-063F-42B5-8137-9DF3F51BA10A}">
-      <p15:sldGuideLst xmlns:p15="http://schemas.microsoft.com/office/powerpoint/2012/main" xmlns="">
+      <p15:sldGuideLst xmlns="" xmlns:p15="http://schemas.microsoft.com/office/powerpoint/2012/main">
         <p15:guide id="1" orient="horz" pos="10368">
           <p15:clr>
             <a:srgbClr val="A4A3A4"/>
@@ -131,7 +131,7 @@
   <p:cmAuthor id="1" name="Alex Wang" initials="AW" lastIdx="3" clrIdx="0">
     <p:extLst>
       <p:ext uri="{19B8F6BF-5375-455C-9EA6-DF929625EA0E}">
-        <p15:presenceInfo xmlns:p15="http://schemas.microsoft.com/office/powerpoint/2012/main" xmlns="" userId="127573a1e9aaad95" providerId="Windows Live"/>
+        <p15:presenceInfo xmlns="" xmlns:p15="http://schemas.microsoft.com/office/powerpoint/2012/main" userId="127573a1e9aaad95" providerId="Windows Live"/>
       </p:ext>
     </p:extLst>
   </p:cmAuthor>
@@ -220,7 +220,7 @@
           <a:p>
             <a:fld id="{ED872B81-815C-4476-81E2-3E223B2BDA8C}" type="datetimeFigureOut">
               <a:rPr lang="en-US" smtClean="0"/>
-              <a:t>12/4/2015</a:t>
+              <a:t>12/6/15</a:t>
             </a:fld>
             <a:endParaRPr lang="en-US"/>
           </a:p>
@@ -703,7 +703,7 @@
           <a:p>
             <a:fld id="{A88EF9FA-9E78-4264-AEFD-C841EEF3F58C}" type="datetimeFigureOut">
               <a:rPr lang="en-US" smtClean="0"/>
-              <a:t>12/4/2015</a:t>
+              <a:t>12/6/15</a:t>
             </a:fld>
             <a:endParaRPr lang="en-US"/>
           </a:p>
@@ -873,7 +873,7 @@
           <a:p>
             <a:fld id="{A88EF9FA-9E78-4264-AEFD-C841EEF3F58C}" type="datetimeFigureOut">
               <a:rPr lang="en-US" smtClean="0"/>
-              <a:t>12/4/2015</a:t>
+              <a:t>12/6/15</a:t>
             </a:fld>
             <a:endParaRPr lang="en-US"/>
           </a:p>
@@ -1053,7 +1053,7 @@
           <a:p>
             <a:fld id="{A88EF9FA-9E78-4264-AEFD-C841EEF3F58C}" type="datetimeFigureOut">
               <a:rPr lang="en-US" smtClean="0"/>
-              <a:t>12/4/2015</a:t>
+              <a:t>12/6/15</a:t>
             </a:fld>
             <a:endParaRPr lang="en-US"/>
           </a:p>
@@ -1223,7 +1223,7 @@
           <a:p>
             <a:fld id="{A88EF9FA-9E78-4264-AEFD-C841EEF3F58C}" type="datetimeFigureOut">
               <a:rPr lang="en-US" smtClean="0"/>
-              <a:t>12/4/2015</a:t>
+              <a:t>12/6/15</a:t>
             </a:fld>
             <a:endParaRPr lang="en-US"/>
           </a:p>
@@ -1467,7 +1467,7 @@
           <a:p>
             <a:fld id="{A88EF9FA-9E78-4264-AEFD-C841EEF3F58C}" type="datetimeFigureOut">
               <a:rPr lang="en-US" smtClean="0"/>
-              <a:t>12/4/2015</a:t>
+              <a:t>12/6/15</a:t>
             </a:fld>
             <a:endParaRPr lang="en-US"/>
           </a:p>
@@ -1699,7 +1699,7 @@
           <a:p>
             <a:fld id="{A88EF9FA-9E78-4264-AEFD-C841EEF3F58C}" type="datetimeFigureOut">
               <a:rPr lang="en-US" smtClean="0"/>
-              <a:t>12/4/2015</a:t>
+              <a:t>12/6/15</a:t>
             </a:fld>
             <a:endParaRPr lang="en-US"/>
           </a:p>
@@ -2066,7 +2066,7 @@
           <a:p>
             <a:fld id="{A88EF9FA-9E78-4264-AEFD-C841EEF3F58C}" type="datetimeFigureOut">
               <a:rPr lang="en-US" smtClean="0"/>
-              <a:t>12/4/2015</a:t>
+              <a:t>12/6/15</a:t>
             </a:fld>
             <a:endParaRPr lang="en-US"/>
           </a:p>
@@ -2184,7 +2184,7 @@
           <a:p>
             <a:fld id="{A88EF9FA-9E78-4264-AEFD-C841EEF3F58C}" type="datetimeFigureOut">
               <a:rPr lang="en-US" smtClean="0"/>
-              <a:t>12/4/2015</a:t>
+              <a:t>12/6/15</a:t>
             </a:fld>
             <a:endParaRPr lang="en-US"/>
           </a:p>
@@ -2279,7 +2279,7 @@
           <a:p>
             <a:fld id="{A88EF9FA-9E78-4264-AEFD-C841EEF3F58C}" type="datetimeFigureOut">
               <a:rPr lang="en-US" smtClean="0"/>
-              <a:t>12/4/2015</a:t>
+              <a:t>12/6/15</a:t>
             </a:fld>
             <a:endParaRPr lang="en-US"/>
           </a:p>
@@ -2556,7 +2556,7 @@
           <a:p>
             <a:fld id="{A88EF9FA-9E78-4264-AEFD-C841EEF3F58C}" type="datetimeFigureOut">
               <a:rPr lang="en-US" smtClean="0"/>
-              <a:t>12/4/2015</a:t>
+              <a:t>12/6/15</a:t>
             </a:fld>
             <a:endParaRPr lang="en-US"/>
           </a:p>
@@ -2813,7 +2813,7 @@
           <a:p>
             <a:fld id="{A88EF9FA-9E78-4264-AEFD-C841EEF3F58C}" type="datetimeFigureOut">
               <a:rPr lang="en-US" smtClean="0"/>
-              <a:t>12/4/2015</a:t>
+              <a:t>12/6/15</a:t>
             </a:fld>
             <a:endParaRPr lang="en-US"/>
           </a:p>
@@ -3026,7 +3026,7 @@
           <a:p>
             <a:fld id="{A88EF9FA-9E78-4264-AEFD-C841EEF3F58C}" type="datetimeFigureOut">
               <a:rPr lang="en-US" smtClean="0"/>
-              <a:t>12/4/2015</a:t>
+              <a:t>12/6/15</a:t>
             </a:fld>
             <a:endParaRPr lang="en-US"/>
           </a:p>
@@ -3513,11 +3513,6 @@
               </a:rPr>
               <a:t>Multi-Document Extractive Summarization Techniques</a:t>
             </a:r>
-            <a:endParaRPr lang="en-US" sz="10000" b="1" dirty="0" smtClean="0">
-              <a:solidFill>
-                <a:srgbClr val="F9F1EC"/>
-              </a:solidFill>
-            </a:endParaRPr>
           </a:p>
           <a:p>
             <a:pPr algn="ctr"/>
@@ -3543,42 +3538,18 @@
                   <a:srgbClr val="F9F1EC"/>
                 </a:solidFill>
               </a:rPr>
-              <a:t>, Luis </a:t>
-            </a:r>
+              <a:t>, Luis A. Perez</a:t>
+            </a:r>
+          </a:p>
+          <a:p>
+            <a:pPr algn="ctr"/>
             <a:r>
               <a:rPr lang="en-US" sz="5400" b="1" dirty="0" smtClean="0">
                 <a:solidFill>
                   <a:srgbClr val="F9F1EC"/>
                 </a:solidFill>
               </a:rPr>
-              <a:t>A. </a:t>
-            </a:r>
-            <a:r>
-              <a:rPr lang="en-US" sz="5400" b="1" dirty="0" smtClean="0">
-                <a:solidFill>
-                  <a:srgbClr val="F9F1EC"/>
-                </a:solidFill>
-              </a:rPr>
-              <a:t>Perez</a:t>
-            </a:r>
-          </a:p>
-          <a:p>
-            <a:pPr algn="ctr"/>
-            <a:r>
-              <a:rPr lang="en-US" sz="5400" b="1" dirty="0" smtClean="0">
-                <a:solidFill>
-                  <a:srgbClr val="F9F1EC"/>
-                </a:solidFill>
-              </a:rPr>
-              <a:t>CS182: Artificial Intelligence, </a:t>
-            </a:r>
-            <a:r>
-              <a:rPr lang="en-US" sz="5400" b="1" dirty="0" smtClean="0">
-                <a:solidFill>
-                  <a:srgbClr val="F9F1EC"/>
-                </a:solidFill>
-              </a:rPr>
-              <a:t>Harvard University</a:t>
+              <a:t>CS182: Artificial Intelligence, Harvard University</a:t>
             </a:r>
             <a:endParaRPr lang="en-US" sz="5400" b="1" dirty="0">
               <a:solidFill>
@@ -3638,7 +3609,7 @@
         <p:spPr>
           <a:xfrm>
             <a:off x="15759463" y="5823343"/>
-            <a:ext cx="10907485" cy="1368708"/>
+            <a:ext cx="11048132" cy="1368708"/>
           </a:xfrm>
           <a:prstGeom prst="rect">
             <a:avLst/>
@@ -3678,7 +3649,7 @@
         </p:nvSpPr>
         <p:spPr>
           <a:xfrm>
-            <a:off x="15759463" y="24432272"/>
+            <a:off x="30450572" y="19724155"/>
             <a:ext cx="10907486" cy="1368708"/>
           </a:xfrm>
           <a:prstGeom prst="rect">
@@ -3791,36 +3762,6 @@
       </p:sp>
       <p:sp>
         <p:nvSpPr>
-          <p:cNvPr id="32" name="TextBox 31"/>
-          <p:cNvSpPr txBox="1"/>
-          <p:nvPr/>
-        </p:nvSpPr>
-        <p:spPr>
-          <a:xfrm>
-            <a:off x="15759463" y="8284316"/>
-            <a:ext cx="10907485" cy="523220"/>
-          </a:xfrm>
-          <a:prstGeom prst="rect">
-            <a:avLst/>
-          </a:prstGeom>
-          <a:noFill/>
-        </p:spPr>
-        <p:txBody>
-          <a:bodyPr wrap="square" rtlCol="0">
-            <a:spAutoFit/>
-          </a:bodyPr>
-          <a:lstStyle/>
-          <a:p>
-            <a:r>
-              <a:rPr lang="en-US" sz="2800" dirty="0" smtClean="0"/>
-              <a:t>TODO</a:t>
-            </a:r>
-            <a:endParaRPr lang="en-US" sz="2800" dirty="0" smtClean="0"/>
-          </a:p>
-        </p:txBody>
-      </p:sp>
-      <p:sp>
-        <p:nvSpPr>
           <p:cNvPr id="37" name="Rectangle 36"/>
           <p:cNvSpPr/>
           <p:nvPr/>
@@ -3848,7 +3789,6 @@
               <a:rPr lang="en-US" sz="2800" dirty="0" smtClean="0"/>
               <a:t>TODO</a:t>
             </a:r>
-            <a:endParaRPr lang="en-US" sz="2800" dirty="0" smtClean="0"/>
           </a:p>
         </p:txBody>
       </p:sp>
@@ -3860,8 +3800,8 @@
         </p:nvSpPr>
         <p:spPr>
           <a:xfrm>
-            <a:off x="30360309" y="25082565"/>
-            <a:ext cx="10907486" cy="461665"/>
+            <a:off x="30476017" y="21661990"/>
+            <a:ext cx="10907486" cy="2677656"/>
           </a:xfrm>
           <a:prstGeom prst="rect">
             <a:avLst/>
@@ -3876,20 +3816,54 @@
           </a:bodyPr>
           <a:lstStyle/>
           <a:p>
-            <a:r>
-              <a:rPr lang="en-US" sz="2400" dirty="0" smtClean="0">
-                <a:solidFill>
-                  <a:srgbClr val="2D1E3E"/>
-                </a:solidFill>
-              </a:rPr>
-              <a:t>TODO</a:t>
-            </a:r>
+            <a:endParaRPr lang="en-US" sz="2400" dirty="0" smtClean="0">
+              <a:solidFill>
+                <a:srgbClr val="2D1E3E"/>
+              </a:solidFill>
+            </a:endParaRPr>
+          </a:p>
+          <a:p>
             <a:endParaRPr lang="en-US" sz="2400" dirty="0">
               <a:solidFill>
                 <a:srgbClr val="2D1E3E"/>
               </a:solidFill>
             </a:endParaRPr>
           </a:p>
+          <a:p>
+            <a:endParaRPr lang="en-US" sz="2400" dirty="0" smtClean="0">
+              <a:solidFill>
+                <a:srgbClr val="2D1E3E"/>
+              </a:solidFill>
+            </a:endParaRPr>
+          </a:p>
+          <a:p>
+            <a:endParaRPr lang="en-US" sz="2400" dirty="0">
+              <a:solidFill>
+                <a:srgbClr val="2D1E3E"/>
+              </a:solidFill>
+            </a:endParaRPr>
+          </a:p>
+          <a:p>
+            <a:endParaRPr lang="en-US" sz="2400" dirty="0" smtClean="0">
+              <a:solidFill>
+                <a:srgbClr val="2D1E3E"/>
+              </a:solidFill>
+            </a:endParaRPr>
+          </a:p>
+          <a:p>
+            <a:endParaRPr lang="en-US" sz="2400" dirty="0">
+              <a:solidFill>
+                <a:srgbClr val="2D1E3E"/>
+              </a:solidFill>
+            </a:endParaRPr>
+          </a:p>
+          <a:p>
+            <a:endParaRPr lang="en-US" sz="2400" dirty="0">
+              <a:solidFill>
+                <a:srgbClr val="2D1E3E"/>
+              </a:solidFill>
+            </a:endParaRPr>
+          </a:p>
         </p:txBody>
       </p:sp>
       <p:sp>
@@ -3900,7 +3874,7 @@
         </p:nvSpPr>
         <p:spPr>
           <a:xfrm>
-            <a:off x="30360309" y="28369030"/>
+            <a:off x="30388530" y="25177088"/>
             <a:ext cx="10907486" cy="1368708"/>
           </a:xfrm>
           <a:prstGeom prst="rect">
@@ -3935,43 +3909,13 @@
       </p:sp>
       <p:sp>
         <p:nvSpPr>
-          <p:cNvPr id="3" name="TextBox 2"/>
-          <p:cNvSpPr txBox="1"/>
-          <p:nvPr/>
-        </p:nvSpPr>
-        <p:spPr>
-          <a:xfrm>
-            <a:off x="30360309" y="30346547"/>
-            <a:ext cx="10907486" cy="400110"/>
-          </a:xfrm>
-          <a:prstGeom prst="rect">
-            <a:avLst/>
-          </a:prstGeom>
-          <a:noFill/>
-        </p:spPr>
-        <p:txBody>
-          <a:bodyPr wrap="square" rtlCol="0">
-            <a:spAutoFit/>
-          </a:bodyPr>
-          <a:lstStyle/>
-          <a:p>
-            <a:r>
-              <a:rPr lang="en-US" sz="2000" dirty="0" smtClean="0"/>
-              <a:t>TODO</a:t>
-            </a:r>
-            <a:endParaRPr lang="en-US" sz="2000" dirty="0"/>
-          </a:p>
-        </p:txBody>
-      </p:sp>
-      <p:sp>
-        <p:nvSpPr>
           <p:cNvPr id="33" name="TextBox 32"/>
           <p:cNvSpPr txBox="1"/>
           <p:nvPr/>
         </p:nvSpPr>
         <p:spPr>
           <a:xfrm>
-            <a:off x="2585826" y="24157799"/>
+            <a:off x="2359027" y="27468916"/>
             <a:ext cx="4008612" cy="461665"/>
           </a:xfrm>
           <a:prstGeom prst="rect">
@@ -4007,7 +3951,7 @@
         </p:nvSpPr>
         <p:spPr>
           <a:xfrm>
-            <a:off x="8036682" y="28367051"/>
+            <a:off x="1595602" y="28956702"/>
             <a:ext cx="4696718" cy="461665"/>
           </a:xfrm>
           <a:prstGeom prst="rect">
@@ -4031,11 +3975,6 @@
               </a:rPr>
               <a:t>TODO</a:t>
             </a:r>
-            <a:endParaRPr lang="en-US" sz="2400" dirty="0" smtClean="0">
-              <a:solidFill>
-                <a:srgbClr val="2D1E3E"/>
-              </a:solidFill>
-            </a:endParaRPr>
           </a:p>
         </p:txBody>
       </p:sp>
@@ -4047,7 +3986,7 @@
         </p:nvSpPr>
         <p:spPr>
           <a:xfrm>
-            <a:off x="1828800" y="14352753"/>
+            <a:off x="1647361" y="18434951"/>
             <a:ext cx="10907486" cy="1368708"/>
           </a:xfrm>
           <a:prstGeom prst="rect">
@@ -4070,7 +4009,7 @@
                   <a:srgbClr val="F9F1EC"/>
                 </a:solidFill>
               </a:rPr>
-              <a:t>Analysis</a:t>
+              <a:t>Baseline</a:t>
             </a:r>
             <a:endParaRPr lang="en-US" dirty="0">
               <a:solidFill>
@@ -4088,8 +4027,8 @@
         </p:nvSpPr>
         <p:spPr>
           <a:xfrm>
-            <a:off x="15982790" y="22372543"/>
-            <a:ext cx="4256689" cy="461665"/>
+            <a:off x="15810625" y="9151494"/>
+            <a:ext cx="10996969" cy="2185214"/>
           </a:xfrm>
           <a:prstGeom prst="rect">
             <a:avLst/>
@@ -4105,19 +4044,33 @@
           <a:lstStyle/>
           <a:p>
             <a:r>
-              <a:rPr lang="en-US" sz="2400" dirty="0" smtClean="0">
+              <a:rPr lang="en-US" sz="4400" dirty="0" err="1" smtClean="0">
                 <a:solidFill>
                   <a:srgbClr val="2D1E3E"/>
                 </a:solidFill>
               </a:rPr>
-              <a:t>TODO</a:t>
-            </a:r>
-            <a:endParaRPr lang="en-US" sz="2400" dirty="0">
+              <a:t>TextRank</a:t>
+            </a:r>
+            <a:endParaRPr lang="en-US" sz="4400" dirty="0" smtClean="0">
               <a:solidFill>
                 <a:srgbClr val="2D1E3E"/>
               </a:solidFill>
             </a:endParaRPr>
           </a:p>
+          <a:p>
+            <a:endParaRPr lang="en-US" sz="4400" dirty="0">
+              <a:solidFill>
+                <a:srgbClr val="2D1E3E"/>
+              </a:solidFill>
+            </a:endParaRPr>
+          </a:p>
+          <a:p>
+            <a:endParaRPr lang="en-US" sz="4800" dirty="0">
+              <a:solidFill>
+                <a:srgbClr val="2D1E3E"/>
+              </a:solidFill>
+            </a:endParaRPr>
+          </a:p>
         </p:txBody>
       </p:sp>
       <p:sp>
@@ -4128,8 +4081,8 @@
         </p:nvSpPr>
         <p:spPr>
           <a:xfrm>
-            <a:off x="2703988" y="21044611"/>
-            <a:ext cx="9157110" cy="461665"/>
+            <a:off x="1660713" y="20591033"/>
+            <a:ext cx="10858569" cy="3508653"/>
           </a:xfrm>
           <a:prstGeom prst="rect">
             <a:avLst/>
@@ -4145,17 +4098,640 @@
           <a:lstStyle/>
           <a:p>
             <a:r>
+              <a:rPr lang="en-US" sz="5400" dirty="0" smtClean="0"/>
+              <a:t>There </a:t>
+            </a:r>
+            <a:endParaRPr lang="en-US" sz="2400" dirty="0" smtClean="0"/>
+          </a:p>
+          <a:p>
+            <a:endParaRPr lang="en-US" sz="2400" dirty="0"/>
+          </a:p>
+          <a:p>
+            <a:endParaRPr lang="en-US" sz="2400" dirty="0" smtClean="0"/>
+          </a:p>
+          <a:p>
+            <a:endParaRPr lang="en-US" sz="2400" dirty="0"/>
+          </a:p>
+          <a:p>
+            <a:endParaRPr lang="en-US" sz="2400" dirty="0" smtClean="0"/>
+          </a:p>
+          <a:p>
+            <a:endParaRPr lang="en-US" sz="2400" dirty="0"/>
+          </a:p>
+          <a:p>
+            <a:endParaRPr lang="en-US" sz="2400" dirty="0" smtClean="0"/>
+          </a:p>
+          <a:p>
+            <a:endParaRPr lang="en-US" sz="2400" dirty="0"/>
+          </a:p>
+        </p:txBody>
+      </p:sp>
+      <p:sp>
+        <p:nvSpPr>
+          <p:cNvPr id="19" name="TextBox 18"/>
+          <p:cNvSpPr txBox="1"/>
+          <p:nvPr/>
+        </p:nvSpPr>
+        <p:spPr>
+          <a:xfrm>
+            <a:off x="15758353" y="7622568"/>
+            <a:ext cx="11041325" cy="830997"/>
+          </a:xfrm>
+          <a:prstGeom prst="rect">
+            <a:avLst/>
+          </a:prstGeom>
+          <a:solidFill>
+            <a:srgbClr val="E5BABA"/>
+          </a:solidFill>
+        </p:spPr>
+        <p:txBody>
+          <a:bodyPr wrap="square" rtlCol="0">
+            <a:spAutoFit/>
+          </a:bodyPr>
+          <a:lstStyle>
+            <a:defPPr>
+              <a:defRPr lang="en-US"/>
+            </a:defPPr>
+            <a:lvl1pPr marL="0" algn="l" defTabSz="4213555" rtl="0" eaLnBrk="1" latinLnBrk="0" hangingPunct="1">
+              <a:defRPr sz="8294" kern="1200">
+                <a:solidFill>
+                  <a:schemeClr val="tx1"/>
+                </a:solidFill>
+                <a:latin typeface="+mn-lt"/>
+                <a:ea typeface="+mn-ea"/>
+                <a:cs typeface="+mn-cs"/>
+              </a:defRPr>
+            </a:lvl1pPr>
+            <a:lvl2pPr marL="2106778" algn="l" defTabSz="4213555" rtl="0" eaLnBrk="1" latinLnBrk="0" hangingPunct="1">
+              <a:defRPr sz="8294" kern="1200">
+                <a:solidFill>
+                  <a:schemeClr val="tx1"/>
+                </a:solidFill>
+                <a:latin typeface="+mn-lt"/>
+                <a:ea typeface="+mn-ea"/>
+                <a:cs typeface="+mn-cs"/>
+              </a:defRPr>
+            </a:lvl2pPr>
+            <a:lvl3pPr marL="4213555" algn="l" defTabSz="4213555" rtl="0" eaLnBrk="1" latinLnBrk="0" hangingPunct="1">
+              <a:defRPr sz="8294" kern="1200">
+                <a:solidFill>
+                  <a:schemeClr val="tx1"/>
+                </a:solidFill>
+                <a:latin typeface="+mn-lt"/>
+                <a:ea typeface="+mn-ea"/>
+                <a:cs typeface="+mn-cs"/>
+              </a:defRPr>
+            </a:lvl3pPr>
+            <a:lvl4pPr marL="6320333" algn="l" defTabSz="4213555" rtl="0" eaLnBrk="1" latinLnBrk="0" hangingPunct="1">
+              <a:defRPr sz="8294" kern="1200">
+                <a:solidFill>
+                  <a:schemeClr val="tx1"/>
+                </a:solidFill>
+                <a:latin typeface="+mn-lt"/>
+                <a:ea typeface="+mn-ea"/>
+                <a:cs typeface="+mn-cs"/>
+              </a:defRPr>
+            </a:lvl4pPr>
+            <a:lvl5pPr marL="8427110" algn="l" defTabSz="4213555" rtl="0" eaLnBrk="1" latinLnBrk="0" hangingPunct="1">
+              <a:defRPr sz="8294" kern="1200">
+                <a:solidFill>
+                  <a:schemeClr val="tx1"/>
+                </a:solidFill>
+                <a:latin typeface="+mn-lt"/>
+                <a:ea typeface="+mn-ea"/>
+                <a:cs typeface="+mn-cs"/>
+              </a:defRPr>
+            </a:lvl5pPr>
+            <a:lvl6pPr marL="10533888" algn="l" defTabSz="4213555" rtl="0" eaLnBrk="1" latinLnBrk="0" hangingPunct="1">
+              <a:defRPr sz="8294" kern="1200">
+                <a:solidFill>
+                  <a:schemeClr val="tx1"/>
+                </a:solidFill>
+                <a:latin typeface="+mn-lt"/>
+                <a:ea typeface="+mn-ea"/>
+                <a:cs typeface="+mn-cs"/>
+              </a:defRPr>
+            </a:lvl6pPr>
+            <a:lvl7pPr marL="12640666" algn="l" defTabSz="4213555" rtl="0" eaLnBrk="1" latinLnBrk="0" hangingPunct="1">
+              <a:defRPr sz="8294" kern="1200">
+                <a:solidFill>
+                  <a:schemeClr val="tx1"/>
+                </a:solidFill>
+                <a:latin typeface="+mn-lt"/>
+                <a:ea typeface="+mn-ea"/>
+                <a:cs typeface="+mn-cs"/>
+              </a:defRPr>
+            </a:lvl7pPr>
+            <a:lvl8pPr marL="14747443" algn="l" defTabSz="4213555" rtl="0" eaLnBrk="1" latinLnBrk="0" hangingPunct="1">
+              <a:defRPr sz="8294" kern="1200">
+                <a:solidFill>
+                  <a:schemeClr val="tx1"/>
+                </a:solidFill>
+                <a:latin typeface="+mn-lt"/>
+                <a:ea typeface="+mn-ea"/>
+                <a:cs typeface="+mn-cs"/>
+              </a:defRPr>
+            </a:lvl8pPr>
+            <a:lvl9pPr marL="16854221" algn="l" defTabSz="4213555" rtl="0" eaLnBrk="1" latinLnBrk="0" hangingPunct="1">
+              <a:defRPr sz="8294" kern="1200">
+                <a:solidFill>
+                  <a:schemeClr val="tx1"/>
+                </a:solidFill>
+                <a:latin typeface="+mn-lt"/>
+                <a:ea typeface="+mn-ea"/>
+                <a:cs typeface="+mn-cs"/>
+              </a:defRPr>
+            </a:lvl9pPr>
+          </a:lstStyle>
+          <a:p>
+            <a:r>
               <a:rPr lang="en-US" sz="2400" dirty="0" smtClean="0">
                 <a:solidFill>
                   <a:srgbClr val="2D1E3E"/>
                 </a:solidFill>
               </a:rPr>
-              <a:t>TODO</a:t>
-            </a:r>
-            <a:endParaRPr lang="en-US" sz="2400" dirty="0"/>
-          </a:p>
-        </p:txBody>
-      </p:sp>
+              <a:t>We implemented two algorithms for constructing summaries: </a:t>
+            </a:r>
+            <a:r>
+              <a:rPr lang="en-US" sz="2400" dirty="0" err="1" smtClean="0">
+                <a:solidFill>
+                  <a:srgbClr val="2D1E3E"/>
+                </a:solidFill>
+              </a:rPr>
+              <a:t>TextRank</a:t>
+            </a:r>
+            <a:r>
+              <a:rPr lang="en-US" sz="2400" dirty="0" smtClean="0">
+                <a:solidFill>
+                  <a:srgbClr val="2D1E3E"/>
+                </a:solidFill>
+              </a:rPr>
+              <a:t> and GRASSHOPPER </a:t>
+            </a:r>
+            <a:endParaRPr lang="en-US" sz="2400" dirty="0">
+              <a:solidFill>
+                <a:srgbClr val="2D1E3E"/>
+              </a:solidFill>
+            </a:endParaRPr>
+          </a:p>
+        </p:txBody>
+      </p:sp>
+      <p:sp>
+        <p:nvSpPr>
+          <p:cNvPr id="20" name="TextBox 19"/>
+          <p:cNvSpPr txBox="1"/>
+          <p:nvPr/>
+        </p:nvSpPr>
+        <p:spPr>
+          <a:xfrm>
+            <a:off x="15739823" y="17190595"/>
+            <a:ext cx="10977053" cy="2123658"/>
+          </a:xfrm>
+          <a:prstGeom prst="rect">
+            <a:avLst/>
+          </a:prstGeom>
+          <a:solidFill>
+            <a:srgbClr val="E5BABA"/>
+          </a:solidFill>
+        </p:spPr>
+        <p:txBody>
+          <a:bodyPr wrap="square" rtlCol="0">
+            <a:spAutoFit/>
+          </a:bodyPr>
+          <a:lstStyle>
+            <a:defPPr>
+              <a:defRPr lang="en-US"/>
+            </a:defPPr>
+            <a:lvl1pPr marL="0" algn="l" defTabSz="4213555" rtl="0" eaLnBrk="1" latinLnBrk="0" hangingPunct="1">
+              <a:defRPr sz="8294" kern="1200">
+                <a:solidFill>
+                  <a:schemeClr val="tx1"/>
+                </a:solidFill>
+                <a:latin typeface="+mn-lt"/>
+                <a:ea typeface="+mn-ea"/>
+                <a:cs typeface="+mn-cs"/>
+              </a:defRPr>
+            </a:lvl1pPr>
+            <a:lvl2pPr marL="2106778" algn="l" defTabSz="4213555" rtl="0" eaLnBrk="1" latinLnBrk="0" hangingPunct="1">
+              <a:defRPr sz="8294" kern="1200">
+                <a:solidFill>
+                  <a:schemeClr val="tx1"/>
+                </a:solidFill>
+                <a:latin typeface="+mn-lt"/>
+                <a:ea typeface="+mn-ea"/>
+                <a:cs typeface="+mn-cs"/>
+              </a:defRPr>
+            </a:lvl2pPr>
+            <a:lvl3pPr marL="4213555" algn="l" defTabSz="4213555" rtl="0" eaLnBrk="1" latinLnBrk="0" hangingPunct="1">
+              <a:defRPr sz="8294" kern="1200">
+                <a:solidFill>
+                  <a:schemeClr val="tx1"/>
+                </a:solidFill>
+                <a:latin typeface="+mn-lt"/>
+                <a:ea typeface="+mn-ea"/>
+                <a:cs typeface="+mn-cs"/>
+              </a:defRPr>
+            </a:lvl3pPr>
+            <a:lvl4pPr marL="6320333" algn="l" defTabSz="4213555" rtl="0" eaLnBrk="1" latinLnBrk="0" hangingPunct="1">
+              <a:defRPr sz="8294" kern="1200">
+                <a:solidFill>
+                  <a:schemeClr val="tx1"/>
+                </a:solidFill>
+                <a:latin typeface="+mn-lt"/>
+                <a:ea typeface="+mn-ea"/>
+                <a:cs typeface="+mn-cs"/>
+              </a:defRPr>
+            </a:lvl4pPr>
+            <a:lvl5pPr marL="8427110" algn="l" defTabSz="4213555" rtl="0" eaLnBrk="1" latinLnBrk="0" hangingPunct="1">
+              <a:defRPr sz="8294" kern="1200">
+                <a:solidFill>
+                  <a:schemeClr val="tx1"/>
+                </a:solidFill>
+                <a:latin typeface="+mn-lt"/>
+                <a:ea typeface="+mn-ea"/>
+                <a:cs typeface="+mn-cs"/>
+              </a:defRPr>
+            </a:lvl5pPr>
+            <a:lvl6pPr marL="10533888" algn="l" defTabSz="4213555" rtl="0" eaLnBrk="1" latinLnBrk="0" hangingPunct="1">
+              <a:defRPr sz="8294" kern="1200">
+                <a:solidFill>
+                  <a:schemeClr val="tx1"/>
+                </a:solidFill>
+                <a:latin typeface="+mn-lt"/>
+                <a:ea typeface="+mn-ea"/>
+                <a:cs typeface="+mn-cs"/>
+              </a:defRPr>
+            </a:lvl6pPr>
+            <a:lvl7pPr marL="12640666" algn="l" defTabSz="4213555" rtl="0" eaLnBrk="1" latinLnBrk="0" hangingPunct="1">
+              <a:defRPr sz="8294" kern="1200">
+                <a:solidFill>
+                  <a:schemeClr val="tx1"/>
+                </a:solidFill>
+                <a:latin typeface="+mn-lt"/>
+                <a:ea typeface="+mn-ea"/>
+                <a:cs typeface="+mn-cs"/>
+              </a:defRPr>
+            </a:lvl7pPr>
+            <a:lvl8pPr marL="14747443" algn="l" defTabSz="4213555" rtl="0" eaLnBrk="1" latinLnBrk="0" hangingPunct="1">
+              <a:defRPr sz="8294" kern="1200">
+                <a:solidFill>
+                  <a:schemeClr val="tx1"/>
+                </a:solidFill>
+                <a:latin typeface="+mn-lt"/>
+                <a:ea typeface="+mn-ea"/>
+                <a:cs typeface="+mn-cs"/>
+              </a:defRPr>
+            </a:lvl8pPr>
+            <a:lvl9pPr marL="16854221" algn="l" defTabSz="4213555" rtl="0" eaLnBrk="1" latinLnBrk="0" hangingPunct="1">
+              <a:defRPr sz="8294" kern="1200">
+                <a:solidFill>
+                  <a:schemeClr val="tx1"/>
+                </a:solidFill>
+                <a:latin typeface="+mn-lt"/>
+                <a:ea typeface="+mn-ea"/>
+                <a:cs typeface="+mn-cs"/>
+              </a:defRPr>
+            </a:lvl9pPr>
+          </a:lstStyle>
+          <a:p>
+            <a:r>
+              <a:rPr lang="en-US" sz="3600" dirty="0" smtClean="0">
+                <a:solidFill>
+                  <a:srgbClr val="2D1E3E"/>
+                </a:solidFill>
+              </a:rPr>
+              <a:t>GRASSHOPPER</a:t>
+            </a:r>
+          </a:p>
+          <a:p>
+            <a:endParaRPr lang="en-US" sz="2400" dirty="0">
+              <a:solidFill>
+                <a:srgbClr val="2D1E3E"/>
+              </a:solidFill>
+            </a:endParaRPr>
+          </a:p>
+          <a:p>
+            <a:endParaRPr lang="en-US" sz="2400" dirty="0" smtClean="0">
+              <a:solidFill>
+                <a:srgbClr val="2D1E3E"/>
+              </a:solidFill>
+            </a:endParaRPr>
+          </a:p>
+          <a:p>
+            <a:endParaRPr lang="en-US" sz="2400" dirty="0">
+              <a:solidFill>
+                <a:srgbClr val="2D1E3E"/>
+              </a:solidFill>
+            </a:endParaRPr>
+          </a:p>
+          <a:p>
+            <a:endParaRPr lang="en-US" sz="2400" dirty="0">
+              <a:solidFill>
+                <a:srgbClr val="2D1E3E"/>
+              </a:solidFill>
+            </a:endParaRPr>
+          </a:p>
+        </p:txBody>
+      </p:sp>
+      <p:sp>
+        <p:nvSpPr>
+          <p:cNvPr id="23" name="TextBox 22"/>
+          <p:cNvSpPr txBox="1"/>
+          <p:nvPr/>
+        </p:nvSpPr>
+        <p:spPr>
+          <a:xfrm>
+            <a:off x="1568508" y="14822333"/>
+            <a:ext cx="10907486" cy="1368708"/>
+          </a:xfrm>
+          <a:prstGeom prst="rect">
+            <a:avLst/>
+          </a:prstGeom>
+          <a:solidFill>
+            <a:srgbClr val="673C6D"/>
+          </a:solidFill>
+        </p:spPr>
+        <p:txBody>
+          <a:bodyPr wrap="square" rtlCol="0">
+            <a:spAutoFit/>
+          </a:bodyPr>
+          <a:lstStyle>
+            <a:defPPr>
+              <a:defRPr lang="en-US"/>
+            </a:defPPr>
+            <a:lvl1pPr marL="0" algn="l" defTabSz="4213555" rtl="0" eaLnBrk="1" latinLnBrk="0" hangingPunct="1">
+              <a:defRPr sz="8294" kern="1200">
+                <a:solidFill>
+                  <a:schemeClr val="tx1"/>
+                </a:solidFill>
+                <a:latin typeface="+mn-lt"/>
+                <a:ea typeface="+mn-ea"/>
+                <a:cs typeface="+mn-cs"/>
+              </a:defRPr>
+            </a:lvl1pPr>
+            <a:lvl2pPr marL="2106778" algn="l" defTabSz="4213555" rtl="0" eaLnBrk="1" latinLnBrk="0" hangingPunct="1">
+              <a:defRPr sz="8294" kern="1200">
+                <a:solidFill>
+                  <a:schemeClr val="tx1"/>
+                </a:solidFill>
+                <a:latin typeface="+mn-lt"/>
+                <a:ea typeface="+mn-ea"/>
+                <a:cs typeface="+mn-cs"/>
+              </a:defRPr>
+            </a:lvl2pPr>
+            <a:lvl3pPr marL="4213555" algn="l" defTabSz="4213555" rtl="0" eaLnBrk="1" latinLnBrk="0" hangingPunct="1">
+              <a:defRPr sz="8294" kern="1200">
+                <a:solidFill>
+                  <a:schemeClr val="tx1"/>
+                </a:solidFill>
+                <a:latin typeface="+mn-lt"/>
+                <a:ea typeface="+mn-ea"/>
+                <a:cs typeface="+mn-cs"/>
+              </a:defRPr>
+            </a:lvl3pPr>
+            <a:lvl4pPr marL="6320333" algn="l" defTabSz="4213555" rtl="0" eaLnBrk="1" latinLnBrk="0" hangingPunct="1">
+              <a:defRPr sz="8294" kern="1200">
+                <a:solidFill>
+                  <a:schemeClr val="tx1"/>
+                </a:solidFill>
+                <a:latin typeface="+mn-lt"/>
+                <a:ea typeface="+mn-ea"/>
+                <a:cs typeface="+mn-cs"/>
+              </a:defRPr>
+            </a:lvl4pPr>
+            <a:lvl5pPr marL="8427110" algn="l" defTabSz="4213555" rtl="0" eaLnBrk="1" latinLnBrk="0" hangingPunct="1">
+              <a:defRPr sz="8294" kern="1200">
+                <a:solidFill>
+                  <a:schemeClr val="tx1"/>
+                </a:solidFill>
+                <a:latin typeface="+mn-lt"/>
+                <a:ea typeface="+mn-ea"/>
+                <a:cs typeface="+mn-cs"/>
+              </a:defRPr>
+            </a:lvl5pPr>
+            <a:lvl6pPr marL="10533888" algn="l" defTabSz="4213555" rtl="0" eaLnBrk="1" latinLnBrk="0" hangingPunct="1">
+              <a:defRPr sz="8294" kern="1200">
+                <a:solidFill>
+                  <a:schemeClr val="tx1"/>
+                </a:solidFill>
+                <a:latin typeface="+mn-lt"/>
+                <a:ea typeface="+mn-ea"/>
+                <a:cs typeface="+mn-cs"/>
+              </a:defRPr>
+            </a:lvl6pPr>
+            <a:lvl7pPr marL="12640666" algn="l" defTabSz="4213555" rtl="0" eaLnBrk="1" latinLnBrk="0" hangingPunct="1">
+              <a:defRPr sz="8294" kern="1200">
+                <a:solidFill>
+                  <a:schemeClr val="tx1"/>
+                </a:solidFill>
+                <a:latin typeface="+mn-lt"/>
+                <a:ea typeface="+mn-ea"/>
+                <a:cs typeface="+mn-cs"/>
+              </a:defRPr>
+            </a:lvl7pPr>
+            <a:lvl8pPr marL="14747443" algn="l" defTabSz="4213555" rtl="0" eaLnBrk="1" latinLnBrk="0" hangingPunct="1">
+              <a:defRPr sz="8294" kern="1200">
+                <a:solidFill>
+                  <a:schemeClr val="tx1"/>
+                </a:solidFill>
+                <a:latin typeface="+mn-lt"/>
+                <a:ea typeface="+mn-ea"/>
+                <a:cs typeface="+mn-cs"/>
+              </a:defRPr>
+            </a:lvl8pPr>
+            <a:lvl9pPr marL="16854221" algn="l" defTabSz="4213555" rtl="0" eaLnBrk="1" latinLnBrk="0" hangingPunct="1">
+              <a:defRPr sz="8294" kern="1200">
+                <a:solidFill>
+                  <a:schemeClr val="tx1"/>
+                </a:solidFill>
+                <a:latin typeface="+mn-lt"/>
+                <a:ea typeface="+mn-ea"/>
+                <a:cs typeface="+mn-cs"/>
+              </a:defRPr>
+            </a:lvl9pPr>
+          </a:lstStyle>
+          <a:p>
+            <a:pPr algn="ctr"/>
+            <a:r>
+              <a:rPr lang="en-US" dirty="0" smtClean="0">
+                <a:solidFill>
+                  <a:srgbClr val="F9F1EC"/>
+                </a:solidFill>
+              </a:rPr>
+              <a:t>Corpus</a:t>
+            </a:r>
+            <a:endParaRPr lang="en-US" dirty="0">
+              <a:solidFill>
+                <a:srgbClr val="F9F1EC"/>
+              </a:solidFill>
+            </a:endParaRPr>
+          </a:p>
+        </p:txBody>
+      </p:sp>
+      <p:sp>
+        <p:nvSpPr>
+          <p:cNvPr id="25" name="TextBox 24"/>
+          <p:cNvSpPr txBox="1"/>
+          <p:nvPr/>
+        </p:nvSpPr>
+        <p:spPr>
+          <a:xfrm>
+            <a:off x="16079365" y="27422750"/>
+            <a:ext cx="10907486" cy="1200328"/>
+          </a:xfrm>
+          <a:prstGeom prst="rect">
+            <a:avLst/>
+          </a:prstGeom>
+          <a:solidFill>
+            <a:srgbClr val="E5BABA"/>
+          </a:solidFill>
+        </p:spPr>
+        <p:txBody>
+          <a:bodyPr wrap="square" rtlCol="0">
+            <a:spAutoFit/>
+          </a:bodyPr>
+          <a:lstStyle>
+            <a:defPPr>
+              <a:defRPr lang="en-US"/>
+            </a:defPPr>
+            <a:lvl1pPr marL="0" algn="l" defTabSz="4213555" rtl="0" eaLnBrk="1" latinLnBrk="0" hangingPunct="1">
+              <a:defRPr sz="8294" kern="1200">
+                <a:solidFill>
+                  <a:schemeClr val="tx1"/>
+                </a:solidFill>
+                <a:latin typeface="+mn-lt"/>
+                <a:ea typeface="+mn-ea"/>
+                <a:cs typeface="+mn-cs"/>
+              </a:defRPr>
+            </a:lvl1pPr>
+            <a:lvl2pPr marL="2106778" algn="l" defTabSz="4213555" rtl="0" eaLnBrk="1" latinLnBrk="0" hangingPunct="1">
+              <a:defRPr sz="8294" kern="1200">
+                <a:solidFill>
+                  <a:schemeClr val="tx1"/>
+                </a:solidFill>
+                <a:latin typeface="+mn-lt"/>
+                <a:ea typeface="+mn-ea"/>
+                <a:cs typeface="+mn-cs"/>
+              </a:defRPr>
+            </a:lvl2pPr>
+            <a:lvl3pPr marL="4213555" algn="l" defTabSz="4213555" rtl="0" eaLnBrk="1" latinLnBrk="0" hangingPunct="1">
+              <a:defRPr sz="8294" kern="1200">
+                <a:solidFill>
+                  <a:schemeClr val="tx1"/>
+                </a:solidFill>
+                <a:latin typeface="+mn-lt"/>
+                <a:ea typeface="+mn-ea"/>
+                <a:cs typeface="+mn-cs"/>
+              </a:defRPr>
+            </a:lvl3pPr>
+            <a:lvl4pPr marL="6320333" algn="l" defTabSz="4213555" rtl="0" eaLnBrk="1" latinLnBrk="0" hangingPunct="1">
+              <a:defRPr sz="8294" kern="1200">
+                <a:solidFill>
+                  <a:schemeClr val="tx1"/>
+                </a:solidFill>
+                <a:latin typeface="+mn-lt"/>
+                <a:ea typeface="+mn-ea"/>
+                <a:cs typeface="+mn-cs"/>
+              </a:defRPr>
+            </a:lvl4pPr>
+            <a:lvl5pPr marL="8427110" algn="l" defTabSz="4213555" rtl="0" eaLnBrk="1" latinLnBrk="0" hangingPunct="1">
+              <a:defRPr sz="8294" kern="1200">
+                <a:solidFill>
+                  <a:schemeClr val="tx1"/>
+                </a:solidFill>
+                <a:latin typeface="+mn-lt"/>
+                <a:ea typeface="+mn-ea"/>
+                <a:cs typeface="+mn-cs"/>
+              </a:defRPr>
+            </a:lvl5pPr>
+            <a:lvl6pPr marL="10533888" algn="l" defTabSz="4213555" rtl="0" eaLnBrk="1" latinLnBrk="0" hangingPunct="1">
+              <a:defRPr sz="8294" kern="1200">
+                <a:solidFill>
+                  <a:schemeClr val="tx1"/>
+                </a:solidFill>
+                <a:latin typeface="+mn-lt"/>
+                <a:ea typeface="+mn-ea"/>
+                <a:cs typeface="+mn-cs"/>
+              </a:defRPr>
+            </a:lvl6pPr>
+            <a:lvl7pPr marL="12640666" algn="l" defTabSz="4213555" rtl="0" eaLnBrk="1" latinLnBrk="0" hangingPunct="1">
+              <a:defRPr sz="8294" kern="1200">
+                <a:solidFill>
+                  <a:schemeClr val="tx1"/>
+                </a:solidFill>
+                <a:latin typeface="+mn-lt"/>
+                <a:ea typeface="+mn-ea"/>
+                <a:cs typeface="+mn-cs"/>
+              </a:defRPr>
+            </a:lvl7pPr>
+            <a:lvl8pPr marL="14747443" algn="l" defTabSz="4213555" rtl="0" eaLnBrk="1" latinLnBrk="0" hangingPunct="1">
+              <a:defRPr sz="8294" kern="1200">
+                <a:solidFill>
+                  <a:schemeClr val="tx1"/>
+                </a:solidFill>
+                <a:latin typeface="+mn-lt"/>
+                <a:ea typeface="+mn-ea"/>
+                <a:cs typeface="+mn-cs"/>
+              </a:defRPr>
+            </a:lvl8pPr>
+            <a:lvl9pPr marL="16854221" algn="l" defTabSz="4213555" rtl="0" eaLnBrk="1" latinLnBrk="0" hangingPunct="1">
+              <a:defRPr sz="8294" kern="1200">
+                <a:solidFill>
+                  <a:schemeClr val="tx1"/>
+                </a:solidFill>
+                <a:latin typeface="+mn-lt"/>
+                <a:ea typeface="+mn-ea"/>
+                <a:cs typeface="+mn-cs"/>
+              </a:defRPr>
+            </a:lvl9pPr>
+          </a:lstStyle>
+          <a:p>
+            <a:endParaRPr lang="en-US" sz="2400" dirty="0" smtClean="0">
+              <a:solidFill>
+                <a:srgbClr val="2D1E3E"/>
+              </a:solidFill>
+            </a:endParaRPr>
+          </a:p>
+          <a:p>
+            <a:endParaRPr lang="en-US" sz="2400" dirty="0">
+              <a:solidFill>
+                <a:srgbClr val="2D1E3E"/>
+              </a:solidFill>
+            </a:endParaRPr>
+          </a:p>
+          <a:p>
+            <a:endParaRPr lang="en-US" sz="2400" dirty="0" smtClean="0">
+              <a:solidFill>
+                <a:srgbClr val="2D1E3E"/>
+              </a:solidFill>
+            </a:endParaRPr>
+          </a:p>
+        </p:txBody>
+      </p:sp>
+      <p:pic>
+        <p:nvPicPr>
+          <p:cNvPr id="5" name="Picture 4"/>
+          <p:cNvPicPr>
+            <a:picLocks noChangeAspect="1"/>
+          </p:cNvPicPr>
+          <p:nvPr/>
+        </p:nvPicPr>
+        <p:blipFill>
+          <a:blip r:embed="rId3"/>
+          <a:stretch>
+            <a:fillRect/>
+          </a:stretch>
+        </p:blipFill>
+        <p:spPr>
+          <a:xfrm>
+            <a:off x="30451932" y="27133868"/>
+            <a:ext cx="10927306" cy="4924983"/>
+          </a:xfrm>
+          <a:prstGeom prst="rect">
+            <a:avLst/>
+          </a:prstGeom>
+        </p:spPr>
+      </p:pic>
     </p:spTree>
     <p:extLst>
       <p:ext uri="{BB962C8B-B14F-4D97-AF65-F5344CB8AC3E}">
@@ -4169,7 +4745,7 @@
   <p:timing>
     <p:tnLst>
       <p:par>
-        <p:cTn id="1" dur="indefinite" restart="never" nodeType="tmRoot"/>
+        <p:cTn xmlns:p14="http://schemas.microsoft.com/office/powerpoint/2010/main" id="1" dur="indefinite" restart="never" nodeType="tmRoot"/>
       </p:par>
     </p:tnLst>
   </p:timing>
@@ -4431,7 +5007,7 @@
   <a:extraClrSchemeLst/>
   <a:extLst>
     <a:ext uri="{05A4C25C-085E-4340-85A3-A5531E510DB2}">
-      <thm15:themeFamily xmlns:thm15="http://schemas.microsoft.com/office/thememl/2012/main" xmlns="" name="Office Theme" id="{62F939B6-93AF-4DB8-9C6B-D6C7DFDC589F}" vid="{4A3C46E8-61CC-4603-A589-7422A47A8E4A}"/>
+      <thm15:themeFamily xmlns="" xmlns:thm15="http://schemas.microsoft.com/office/thememl/2012/main" name="Office Theme" id="{62F939B6-93AF-4DB8-9C6B-D6C7DFDC589F}" vid="{4A3C46E8-61CC-4603-A589-7422A47A8E4A}"/>
     </a:ext>
   </a:extLst>
 </a:theme>
@@ -4692,7 +5268,7 @@
   <a:extraClrSchemeLst/>
   <a:extLst>
     <a:ext uri="{05A4C25C-085E-4340-85A3-A5531E510DB2}">
-      <thm15:themeFamily xmlns:thm15="http://schemas.microsoft.com/office/thememl/2012/main" xmlns="" name="Office Theme" id="{62F939B6-93AF-4DB8-9C6B-D6C7DFDC589F}" vid="{4A3C46E8-61CC-4603-A589-7422A47A8E4A}"/>
+      <thm15:themeFamily xmlns="" xmlns:thm15="http://schemas.microsoft.com/office/thememl/2012/main" name="Office Theme" id="{62F939B6-93AF-4DB8-9C6B-D6C7DFDC589F}" vid="{4A3C46E8-61CC-4603-A589-7422A47A8E4A}"/>
     </a:ext>
   </a:extLst>
 </a:theme>

--- a/reports/poster.pptx
+++ b/reports/poster.pptx
@@ -3649,7 +3649,7 @@
         </p:nvSpPr>
         <p:spPr>
           <a:xfrm>
-            <a:off x="30450572" y="19724155"/>
+            <a:off x="30390095" y="16801211"/>
             <a:ext cx="10907486" cy="1368708"/>
           </a:xfrm>
           <a:prstGeom prst="rect">
@@ -3800,8 +3800,8 @@
         </p:nvSpPr>
         <p:spPr>
           <a:xfrm>
-            <a:off x="30476017" y="21661990"/>
-            <a:ext cx="10907486" cy="2677656"/>
+            <a:off x="30395381" y="18880153"/>
+            <a:ext cx="10907486" cy="3785652"/>
           </a:xfrm>
           <a:prstGeom prst="rect">
             <a:avLst/>
@@ -3815,6 +3815,46 @@
             <a:spAutoFit/>
           </a:bodyPr>
           <a:lstStyle/>
+          <a:p>
+            <a:r>
+              <a:rPr lang="en-US" sz="2400" dirty="0" smtClean="0">
+                <a:solidFill>
+                  <a:srgbClr val="2D1E3E"/>
+                </a:solidFill>
+              </a:rPr>
+              <a:t>Synonyms</a:t>
+            </a:r>
+          </a:p>
+          <a:p>
+            <a:r>
+              <a:rPr lang="en-US" sz="2400" dirty="0" smtClean="0">
+                <a:solidFill>
+                  <a:srgbClr val="2D1E3E"/>
+                </a:solidFill>
+              </a:rPr>
+              <a:t>New Comparison functions for </a:t>
+            </a:r>
+            <a:r>
+              <a:rPr lang="en-US" sz="2400" dirty="0" err="1" smtClean="0">
+                <a:solidFill>
+                  <a:srgbClr val="2D1E3E"/>
+                </a:solidFill>
+              </a:rPr>
+              <a:t>textrank</a:t>
+            </a:r>
+            <a:endParaRPr lang="en-US" sz="2400" dirty="0">
+              <a:solidFill>
+                <a:srgbClr val="2D1E3E"/>
+              </a:solidFill>
+            </a:endParaRPr>
+          </a:p>
+          <a:p>
+            <a:endParaRPr lang="en-US" sz="2400" dirty="0" smtClean="0">
+              <a:solidFill>
+                <a:srgbClr val="2D1E3E"/>
+              </a:solidFill>
+            </a:endParaRPr>
+          </a:p>
           <a:p>
             <a:endParaRPr lang="en-US" sz="2400" dirty="0" smtClean="0">
               <a:solidFill>
@@ -4028,7 +4068,7 @@
         <p:spPr>
           <a:xfrm>
             <a:off x="15810625" y="9151494"/>
-            <a:ext cx="10996969" cy="2185214"/>
+            <a:ext cx="10996969" cy="3539430"/>
           </a:xfrm>
           <a:prstGeom prst="rect">
             <a:avLst/>
@@ -4049,8 +4089,25 @@
                   <a:srgbClr val="2D1E3E"/>
                 </a:solidFill>
               </a:rPr>
-              <a:t>TextRank</a:t>
-            </a:r>
+              <a:t>TextRan</a:t>
+            </a:r>
+            <a:endParaRPr lang="en-US" sz="4400" dirty="0" smtClean="0">
+              <a:solidFill>
+                <a:srgbClr val="2D1E3E"/>
+              </a:solidFill>
+            </a:endParaRPr>
+          </a:p>
+          <a:p>
+            <a:r>
+              <a:rPr lang="en-US" sz="4400" dirty="0" smtClean="0">
+                <a:solidFill>
+                  <a:srgbClr val="2D1E3E"/>
+                </a:solidFill>
+              </a:rPr>
+              <a:t>k</a:t>
+            </a:r>
+          </a:p>
+          <a:p>
             <a:endParaRPr lang="en-US" sz="4400" dirty="0" smtClean="0">
               <a:solidFill>
                 <a:srgbClr val="2D1E3E"/>
@@ -4717,7 +4774,7 @@
           <p:nvPr/>
         </p:nvPicPr>
         <p:blipFill>
-          <a:blip r:embed="rId3"/>
+          <a:blip r:embed="rId4"/>
           <a:stretch>
             <a:fillRect/>
           </a:stretch>
@@ -4732,6 +4789,220 @@
           </a:prstGeom>
         </p:spPr>
       </p:pic>
+      <p:sp>
+        <p:nvSpPr>
+          <p:cNvPr id="26" name="TextBox 25"/>
+          <p:cNvSpPr txBox="1"/>
+          <p:nvPr/>
+        </p:nvSpPr>
+        <p:spPr>
+          <a:xfrm>
+            <a:off x="30366789" y="8079931"/>
+            <a:ext cx="10977053" cy="2123658"/>
+          </a:xfrm>
+          <a:prstGeom prst="rect">
+            <a:avLst/>
+          </a:prstGeom>
+          <a:solidFill>
+            <a:srgbClr val="E5BABA"/>
+          </a:solidFill>
+        </p:spPr>
+        <p:txBody>
+          <a:bodyPr wrap="square" rtlCol="0">
+            <a:spAutoFit/>
+          </a:bodyPr>
+          <a:lstStyle>
+            <a:defPPr>
+              <a:defRPr lang="en-US"/>
+            </a:defPPr>
+            <a:lvl1pPr marL="0" algn="l" defTabSz="4213555" rtl="0" eaLnBrk="1" latinLnBrk="0" hangingPunct="1">
+              <a:defRPr sz="8294" kern="1200">
+                <a:solidFill>
+                  <a:schemeClr val="tx1"/>
+                </a:solidFill>
+                <a:latin typeface="+mn-lt"/>
+                <a:ea typeface="+mn-ea"/>
+                <a:cs typeface="+mn-cs"/>
+              </a:defRPr>
+            </a:lvl1pPr>
+            <a:lvl2pPr marL="2106778" algn="l" defTabSz="4213555" rtl="0" eaLnBrk="1" latinLnBrk="0" hangingPunct="1">
+              <a:defRPr sz="8294" kern="1200">
+                <a:solidFill>
+                  <a:schemeClr val="tx1"/>
+                </a:solidFill>
+                <a:latin typeface="+mn-lt"/>
+                <a:ea typeface="+mn-ea"/>
+                <a:cs typeface="+mn-cs"/>
+              </a:defRPr>
+            </a:lvl2pPr>
+            <a:lvl3pPr marL="4213555" algn="l" defTabSz="4213555" rtl="0" eaLnBrk="1" latinLnBrk="0" hangingPunct="1">
+              <a:defRPr sz="8294" kern="1200">
+                <a:solidFill>
+                  <a:schemeClr val="tx1"/>
+                </a:solidFill>
+                <a:latin typeface="+mn-lt"/>
+                <a:ea typeface="+mn-ea"/>
+                <a:cs typeface="+mn-cs"/>
+              </a:defRPr>
+            </a:lvl3pPr>
+            <a:lvl4pPr marL="6320333" algn="l" defTabSz="4213555" rtl="0" eaLnBrk="1" latinLnBrk="0" hangingPunct="1">
+              <a:defRPr sz="8294" kern="1200">
+                <a:solidFill>
+                  <a:schemeClr val="tx1"/>
+                </a:solidFill>
+                <a:latin typeface="+mn-lt"/>
+                <a:ea typeface="+mn-ea"/>
+                <a:cs typeface="+mn-cs"/>
+              </a:defRPr>
+            </a:lvl4pPr>
+            <a:lvl5pPr marL="8427110" algn="l" defTabSz="4213555" rtl="0" eaLnBrk="1" latinLnBrk="0" hangingPunct="1">
+              <a:defRPr sz="8294" kern="1200">
+                <a:solidFill>
+                  <a:schemeClr val="tx1"/>
+                </a:solidFill>
+                <a:latin typeface="+mn-lt"/>
+                <a:ea typeface="+mn-ea"/>
+                <a:cs typeface="+mn-cs"/>
+              </a:defRPr>
+            </a:lvl5pPr>
+            <a:lvl6pPr marL="10533888" algn="l" defTabSz="4213555" rtl="0" eaLnBrk="1" latinLnBrk="0" hangingPunct="1">
+              <a:defRPr sz="8294" kern="1200">
+                <a:solidFill>
+                  <a:schemeClr val="tx1"/>
+                </a:solidFill>
+                <a:latin typeface="+mn-lt"/>
+                <a:ea typeface="+mn-ea"/>
+                <a:cs typeface="+mn-cs"/>
+              </a:defRPr>
+            </a:lvl6pPr>
+            <a:lvl7pPr marL="12640666" algn="l" defTabSz="4213555" rtl="0" eaLnBrk="1" latinLnBrk="0" hangingPunct="1">
+              <a:defRPr sz="8294" kern="1200">
+                <a:solidFill>
+                  <a:schemeClr val="tx1"/>
+                </a:solidFill>
+                <a:latin typeface="+mn-lt"/>
+                <a:ea typeface="+mn-ea"/>
+                <a:cs typeface="+mn-cs"/>
+              </a:defRPr>
+            </a:lvl7pPr>
+            <a:lvl8pPr marL="14747443" algn="l" defTabSz="4213555" rtl="0" eaLnBrk="1" latinLnBrk="0" hangingPunct="1">
+              <a:defRPr sz="8294" kern="1200">
+                <a:solidFill>
+                  <a:schemeClr val="tx1"/>
+                </a:solidFill>
+                <a:latin typeface="+mn-lt"/>
+                <a:ea typeface="+mn-ea"/>
+                <a:cs typeface="+mn-cs"/>
+              </a:defRPr>
+            </a:lvl8pPr>
+            <a:lvl9pPr marL="16854221" algn="l" defTabSz="4213555" rtl="0" eaLnBrk="1" latinLnBrk="0" hangingPunct="1">
+              <a:defRPr sz="8294" kern="1200">
+                <a:solidFill>
+                  <a:schemeClr val="tx1"/>
+                </a:solidFill>
+                <a:latin typeface="+mn-lt"/>
+                <a:ea typeface="+mn-ea"/>
+                <a:cs typeface="+mn-cs"/>
+              </a:defRPr>
+            </a:lvl9pPr>
+          </a:lstStyle>
+          <a:p>
+            <a:r>
+              <a:rPr lang="en-US" sz="3600" dirty="0" smtClean="0">
+                <a:solidFill>
+                  <a:srgbClr val="2D1E3E"/>
+                </a:solidFill>
+              </a:rPr>
+              <a:t>GRASSHOPPER</a:t>
+            </a:r>
+          </a:p>
+          <a:p>
+            <a:endParaRPr lang="en-US" sz="2400" dirty="0">
+              <a:solidFill>
+                <a:srgbClr val="2D1E3E"/>
+              </a:solidFill>
+            </a:endParaRPr>
+          </a:p>
+          <a:p>
+            <a:endParaRPr lang="en-US" sz="2400" dirty="0" smtClean="0">
+              <a:solidFill>
+                <a:srgbClr val="2D1E3E"/>
+              </a:solidFill>
+            </a:endParaRPr>
+          </a:p>
+          <a:p>
+            <a:endParaRPr lang="en-US" sz="2400" dirty="0">
+              <a:solidFill>
+                <a:srgbClr val="2D1E3E"/>
+              </a:solidFill>
+            </a:endParaRPr>
+          </a:p>
+          <a:p>
+            <a:endParaRPr lang="en-US" sz="2400" dirty="0">
+              <a:solidFill>
+                <a:srgbClr val="2D1E3E"/>
+              </a:solidFill>
+            </a:endParaRPr>
+          </a:p>
+        </p:txBody>
+      </p:sp>
+      <p:graphicFrame>
+        <p:nvGraphicFramePr>
+          <p:cNvPr id="6" name="Object 5"/>
+          <p:cNvGraphicFramePr>
+            <a:graphicFrameLocks noChangeAspect="1"/>
+          </p:cNvGraphicFramePr>
+          <p:nvPr>
+            <p:extLst>
+              <p:ext uri="{D42A27DB-BD31-4B8C-83A1-F6EECF244321}">
+                <p14:modId xmlns:p14="http://schemas.microsoft.com/office/powerpoint/2010/main" val="4048264056"/>
+              </p:ext>
+            </p:extLst>
+          </p:nvPr>
+        </p:nvGraphicFramePr>
+        <p:xfrm>
+          <a:off x="20453350" y="16262350"/>
+          <a:ext cx="2984500" cy="393700"/>
+        </p:xfrm>
+        <a:graphic>
+          <a:graphicData uri="http://schemas.openxmlformats.org/presentationml/2006/ole">
+            <mc:AlternateContent xmlns:mc="http://schemas.openxmlformats.org/markup-compatibility/2006">
+              <mc:Choice xmlns:v="urn:schemas-microsoft-com:vml" Requires="v">
+                <p:oleObj spid="_x0000_s1027" name="Equation" r:id="rId5" imgW="2984500" imgH="393700" progId="Equation.3">
+                  <p:embed/>
+                </p:oleObj>
+              </mc:Choice>
+              <mc:Fallback>
+                <p:oleObj name="Equation" r:id="rId5" imgW="2984500" imgH="393700" progId="Equation.3">
+                  <p:embed/>
+                  <p:pic>
+                    <p:nvPicPr>
+                      <p:cNvPr id="0" name=""/>
+                      <p:cNvPicPr/>
+                      <p:nvPr/>
+                    </p:nvPicPr>
+                    <p:blipFill>
+                      <a:blip r:embed="rId6"/>
+                      <a:stretch>
+                        <a:fillRect/>
+                      </a:stretch>
+                    </p:blipFill>
+                    <p:spPr>
+                      <a:xfrm>
+                        <a:off x="20453350" y="16262350"/>
+                        <a:ext cx="2984500" cy="393700"/>
+                      </a:xfrm>
+                      <a:prstGeom prst="rect">
+                        <a:avLst/>
+                      </a:prstGeom>
+                    </p:spPr>
+                  </p:pic>
+                </p:oleObj>
+              </mc:Fallback>
+            </mc:AlternateContent>
+          </a:graphicData>
+        </a:graphic>
+      </p:graphicFrame>
     </p:spTree>
     <p:extLst>
       <p:ext uri="{BB962C8B-B14F-4D97-AF65-F5344CB8AC3E}">
